--- a/WDSR - ćwiczenie 3b_SOAP.pptx
+++ b/WDSR - ćwiczenie 3b_SOAP.pptx
@@ -255,7 +255,7 @@
             <a:fld id="{C4843D26-F355-3844-A4EF-19D4FD875597}" type="datetimeFigureOut">
               <a:rPr lang="de-DE" smtClean="0"/>
               <a:pPr/>
-              <a:t>18.04.2016</a:t>
+              <a:t>22.02.2017</a:t>
             </a:fld>
             <a:endParaRPr lang="de-DE" dirty="0"/>
           </a:p>
@@ -423,7 +423,7 @@
             <a:fld id="{8E2CFE12-C1FB-D740-8B6C-AFB72D5D4002}" type="datetimeFigureOut">
               <a:rPr lang="de-DE" smtClean="0"/>
               <a:pPr/>
-              <a:t>18.04.2016</a:t>
+              <a:t>22.02.2017</a:t>
             </a:fld>
             <a:endParaRPr lang="de-DE" dirty="0"/>
           </a:p>
@@ -3661,7 +3661,7 @@
           <a:graphicData uri="http://schemas.openxmlformats.org/presentationml/2006/ole">
             <mc:AlternateContent xmlns:mc="http://schemas.openxmlformats.org/markup-compatibility/2006">
               <mc:Choice xmlns:v="urn:schemas-microsoft-com:vml" Requires="v">
-                <p:oleObj spid="_x0000_s2300" name="think-cell Folie" r:id="rId4" imgW="305" imgH="303" progId="TCLayout.ActiveDocument.1">
+                <p:oleObj spid="_x0000_s2301" name="think-cell Folie" r:id="rId4" imgW="305" imgH="303" progId="TCLayout.ActiveDocument.1">
                   <p:embed/>
                 </p:oleObj>
               </mc:Choice>
@@ -4058,7 +4058,7 @@
           <a:graphicData uri="http://schemas.openxmlformats.org/presentationml/2006/ole">
             <mc:AlternateContent xmlns:mc="http://schemas.openxmlformats.org/markup-compatibility/2006">
               <mc:Choice xmlns:v="urn:schemas-microsoft-com:vml" Requires="v">
-                <p:oleObj spid="_x0000_s1281" name="think-cell Folie" r:id="rId13" imgW="305" imgH="303" progId="TCLayout.ActiveDocument.1">
+                <p:oleObj spid="_x0000_s1282" name="think-cell Folie" r:id="rId13" imgW="305" imgH="303" progId="TCLayout.ActiveDocument.1">
                   <p:embed/>
                 </p:oleObj>
               </mc:Choice>
@@ -5347,26 +5347,14 @@
           <a:p>
             <a:r>
               <a:rPr lang="pl-PL" dirty="0" smtClean="0"/>
-              <a:t>WdSR - ćwiczenie 3 </a:t>
-            </a:r>
-            <a:r>
-              <a:rPr lang="pl-PL" dirty="0" smtClean="0"/>
-              <a:t>(SOAP)</a:t>
-            </a:r>
-            <a:r>
-              <a:rPr lang="pl-PL" dirty="0" smtClean="0"/>
-              <a:t/>
+              <a:t>WdSR - ćwiczenie 3 (SOAP)</a:t>
             </a:r>
             <a:br>
               <a:rPr lang="pl-PL" dirty="0" smtClean="0"/>
             </a:br>
             <a:r>
               <a:rPr lang="pl-PL" sz="1400" dirty="0" smtClean="0"/>
-              <a:t>Web Services - </a:t>
-            </a:r>
-            <a:r>
-              <a:rPr lang="pl-PL" sz="1400" dirty="0" smtClean="0"/>
-              <a:t>SOAP</a:t>
+              <a:t>Web Services - SOAP</a:t>
             </a:r>
             <a:endParaRPr lang="de-DE" sz="1400" dirty="0"/>
           </a:p>
@@ -5384,8 +5372,8 @@
         </p:nvSpPr>
         <p:spPr>
           <a:xfrm>
-            <a:off x="976312" y="4178885"/>
-            <a:ext cx="5232400" cy="507831"/>
+            <a:off x="976312" y="4009608"/>
+            <a:ext cx="5232400" cy="677108"/>
           </a:xfrm>
         </p:spPr>
         <p:txBody>
@@ -5394,24 +5382,31 @@
           <a:p>
             <a:r>
               <a:rPr lang="pl-PL" dirty="0" smtClean="0"/>
-              <a:t>Marek Strejczek</a:t>
+              <a:t>Autor: Marek Strejczek</a:t>
+            </a:r>
+          </a:p>
+          <a:p>
+            <a:r>
+              <a:rPr lang="pl-PL" dirty="0" smtClean="0"/>
+              <a:t>Prowadzący: Daniel Boguszewicz</a:t>
             </a:r>
             <a:endParaRPr lang="de-DE" dirty="0" smtClean="0"/>
           </a:p>
           <a:p>
             <a:r>
               <a:rPr lang="pl-PL" dirty="0" smtClean="0"/>
-              <a:t>Lato 2016</a:t>
-            </a:r>
-          </a:p>
-          <a:p>
+              <a:t>Lato </a:t>
+            </a:r>
             <a:r>
               <a:rPr lang="pl-PL" dirty="0" smtClean="0"/>
-              <a:t>Wersja </a:t>
-            </a:r>
+              <a:t>2017</a:t>
+            </a:r>
+            <a:endParaRPr lang="pl-PL" dirty="0" smtClean="0"/>
+          </a:p>
+          <a:p>
             <a:r>
               <a:rPr lang="pl-PL" dirty="0" smtClean="0"/>
-              <a:t>1.0</a:t>
+              <a:t>Wersja 1.0</a:t>
             </a:r>
             <a:endParaRPr lang="de-DE" dirty="0"/>
           </a:p>
@@ -5476,26 +5471,14 @@
           <a:p>
             <a:r>
               <a:rPr lang="pl-PL" dirty="0" smtClean="0"/>
-              <a:t>Ćwiczenie </a:t>
-            </a:r>
-            <a:r>
-              <a:rPr lang="pl-PL" dirty="0" smtClean="0"/>
-              <a:t>SOAP Client</a:t>
-            </a:r>
-            <a:r>
-              <a:rPr lang="pl-PL" dirty="0" smtClean="0"/>
-              <a:t/>
+              <a:t>Ćwiczenie SOAP Client</a:t>
             </a:r>
             <a:br>
               <a:rPr lang="pl-PL" dirty="0" smtClean="0"/>
             </a:br>
             <a:r>
               <a:rPr lang="pl-PL" dirty="0" smtClean="0"/>
-              <a:t>Ćwiczenia z używania </a:t>
-            </a:r>
-            <a:r>
-              <a:rPr lang="pl-PL" dirty="0" smtClean="0"/>
-              <a:t>SOAP</a:t>
+              <a:t>Ćwiczenia z używania SOAP</a:t>
             </a:r>
             <a:endParaRPr lang="de-DE" dirty="0"/>
           </a:p>
@@ -5743,26 +5726,14 @@
           <a:p>
             <a:r>
               <a:rPr lang="pl-PL" dirty="0" smtClean="0"/>
-              <a:t>Ćwiczenie </a:t>
-            </a:r>
-            <a:r>
-              <a:rPr lang="pl-PL" dirty="0" smtClean="0"/>
-              <a:t>SOAP Client</a:t>
-            </a:r>
-            <a:r>
-              <a:rPr lang="pl-PL" dirty="0" smtClean="0"/>
-              <a:t/>
+              <a:t>Ćwiczenie SOAP Client</a:t>
             </a:r>
             <a:br>
               <a:rPr lang="pl-PL" dirty="0" smtClean="0"/>
             </a:br>
             <a:r>
               <a:rPr lang="pl-PL" dirty="0" smtClean="0"/>
-              <a:t>Ćwiczenia z używania </a:t>
-            </a:r>
-            <a:r>
-              <a:rPr lang="pl-PL" dirty="0" smtClean="0"/>
-              <a:t>SOAP</a:t>
+              <a:t>Ćwiczenia z używania SOAP</a:t>
             </a:r>
             <a:endParaRPr lang="de-DE" dirty="0"/>
           </a:p>
@@ -5926,26 +5897,14 @@
           <a:p>
             <a:r>
               <a:rPr lang="pl-PL" dirty="0" smtClean="0"/>
-              <a:t>Ćwiczenie </a:t>
-            </a:r>
-            <a:r>
-              <a:rPr lang="pl-PL" dirty="0" smtClean="0"/>
-              <a:t>SOAP Client</a:t>
-            </a:r>
-            <a:r>
-              <a:rPr lang="pl-PL" dirty="0" smtClean="0"/>
-              <a:t/>
+              <a:t>Ćwiczenie SOAP Client</a:t>
             </a:r>
             <a:br>
               <a:rPr lang="pl-PL" dirty="0" smtClean="0"/>
             </a:br>
             <a:r>
               <a:rPr lang="pl-PL" dirty="0" smtClean="0"/>
-              <a:t>Ćwiczenia z używania </a:t>
-            </a:r>
-            <a:r>
-              <a:rPr lang="pl-PL" dirty="0" smtClean="0"/>
-              <a:t>SOAP</a:t>
+              <a:t>Ćwiczenia z używania SOAP</a:t>
             </a:r>
             <a:endParaRPr lang="de-DE" dirty="0"/>
           </a:p>
@@ -6000,7 +5959,6 @@
               <a:rPr lang="pl-PL" sz="1050" dirty="0" smtClean="0"/>
               <a:t>Zobacz jak wygląda odpowiedź z informacją o błędzie (SOAPFault):</a:t>
             </a:r>
-            <a:endParaRPr lang="pl-PL" sz="1050" dirty="0" smtClean="0"/>
           </a:p>
           <a:p>
             <a:pPr lvl="1"/>
@@ -6008,7 +5966,6 @@
               <a:rPr lang="pl-PL" sz="850" dirty="0" smtClean="0"/>
               <a:t>Wyślij komunikat z operacją nieobsługiwaną przez usługę HumanResourceService:</a:t>
             </a:r>
-            <a:endParaRPr lang="pl-PL" sz="850" dirty="0" smtClean="0"/>
           </a:p>
           <a:p>
             <a:pPr lvl="1"/>
@@ -6712,11 +6669,7 @@
             <a:pPr lvl="1"/>
             <a:r>
               <a:rPr lang="pl-PL" dirty="0" smtClean="0"/>
-              <a:t>Część serwerowa i szkielet strony klienckiej jest już zaimplementowany</a:t>
-            </a:r>
-            <a:r>
-              <a:rPr lang="pl-PL" dirty="0" smtClean="0"/>
-              <a:t>.</a:t>
+              <a:t>Część serwerowa i szkielet strony klienckiej jest już zaimplementowany.</a:t>
             </a:r>
           </a:p>
           <a:p>
@@ -6725,7 +6678,6 @@
               <a:rPr lang="pl-PL" dirty="0" smtClean="0"/>
               <a:t>Serwer używany w testach udostępnia taką samą usługę, co serwer HolidayServerApp.</a:t>
             </a:r>
-            <a:endParaRPr lang="pl-PL" dirty="0" smtClean="0"/>
           </a:p>
           <a:p>
             <a:pPr lvl="1"/>
@@ -6735,31 +6687,14 @@
             </a:r>
             <a:r>
               <a:rPr lang="pl-PL" dirty="0" smtClean="0"/>
-              <a:t>modyfikuj klasę </a:t>
-            </a:r>
+              <a:t>modyfikuj klasę wdsr.exercise3.hr.HolidayClient w module client.</a:t>
+            </a:r>
+          </a:p>
+          <a:p>
+            <a:pPr lvl="1"/>
             <a:r>
               <a:rPr lang="pl-PL" dirty="0" smtClean="0"/>
-              <a:t>wdsr.exercise3.hr.HolidayClient w module client.</a:t>
-            </a:r>
-            <a:endParaRPr lang="pl-PL" dirty="0" smtClean="0"/>
-          </a:p>
-          <a:p>
-            <a:pPr lvl="1"/>
-            <a:r>
-              <a:rPr lang="pl-PL" dirty="0" smtClean="0"/>
-              <a:t>Zaimplementuj </a:t>
-            </a:r>
-            <a:r>
-              <a:rPr lang="pl-PL" dirty="0" smtClean="0"/>
-              <a:t>metody w </a:t>
-            </a:r>
-            <a:r>
-              <a:rPr lang="pl-PL" dirty="0" smtClean="0"/>
-              <a:t>tej klasie tak, aby działały zgodnie z dokumentacją javadoc</a:t>
-            </a:r>
-            <a:r>
-              <a:rPr lang="pl-PL" dirty="0" smtClean="0"/>
-              <a:t>.</a:t>
+              <a:t>Zaimplementuj metody w tej klasie tak, aby działały zgodnie z dokumentacją javadoc.</a:t>
             </a:r>
           </a:p>
           <a:p>
@@ -6777,11 +6712,7 @@
             <a:pPr lvl="2"/>
             <a:r>
               <a:rPr lang="pl-PL" sz="600" dirty="0" smtClean="0"/>
-              <a:t>Nie buduj komunikatu SOAP ręcznie – użyj </a:t>
-            </a:r>
-            <a:r>
-              <a:rPr lang="pl-PL" sz="600" dirty="0" smtClean="0"/>
-              <a:t>kompilatora typu WSDL2Java aby z plików WSDL i XSD udostępnianych przez serwer wygenerować klasy w języku Java.</a:t>
+              <a:t>Nie buduj komunikatu SOAP ręcznie – użyj kompilatora typu WSDL2Java aby z plików WSDL i XSD udostępnianych przez serwer wygenerować klasy w języku Java.</a:t>
             </a:r>
           </a:p>
           <a:p>
@@ -6961,14 +6892,14 @@
           <a:p>
             <a:r>
               <a:rPr lang="pl-PL" dirty="0" smtClean="0"/>
-              <a:t>Marek Strejczek</a:t>
+              <a:t>Daniel Boguszewicz</a:t>
             </a:r>
             <a:endParaRPr lang="de-DE" dirty="0"/>
           </a:p>
           <a:p>
             <a:r>
-              <a:rPr lang="pl-PL" dirty="0" smtClean="0"/>
-              <a:t>Technical Architect</a:t>
+              <a:rPr lang="pl-PL" smtClean="0"/>
+              <a:t>Java Developer</a:t>
             </a:r>
             <a:endParaRPr lang="de-DE" dirty="0"/>
           </a:p>
@@ -7000,8 +6931,12 @@
           </a:p>
           <a:p>
             <a:r>
-              <a:rPr lang="pl-PL" dirty="0" err="1" smtClean="0"/>
-              <a:t>marek.strejczek</a:t>
+              <a:rPr lang="pl-PL" dirty="0"/>
+              <a:t>d</a:t>
+            </a:r>
+            <a:r>
+              <a:rPr lang="pl-PL" dirty="0" smtClean="0"/>
+              <a:t>aniel.boguszewicz</a:t>
             </a:r>
             <a:r>
               <a:rPr lang="de-DE" dirty="0" smtClean="0"/>
@@ -7903,7 +7838,6 @@
               <a:rPr lang="pl-PL" dirty="0" smtClean="0"/>
               <a:t>Fault (opcjonalnie)</a:t>
             </a:r>
-            <a:endParaRPr lang="pl-PL" dirty="0" smtClean="0"/>
           </a:p>
         </p:txBody>
       </p:sp>
@@ -8050,7 +7984,6 @@
               <a:rPr lang="pl-PL" sz="800" dirty="0" smtClean="0"/>
               <a:t>Example from Wikipedia:</a:t>
             </a:r>
-            <a:endParaRPr lang="pl-PL" sz="800" dirty="0" smtClean="0"/>
           </a:p>
         </p:txBody>
       </p:sp>
@@ -8064,11 +7997,11 @@
   <p:clrMapOvr>
     <a:masterClrMapping/>
   </p:clrMapOvr>
-  <mc:AlternateContent xmlns:mc="http://schemas.openxmlformats.org/markup-compatibility/2006">
-    <mc:Choice xmlns:p14="http://schemas.microsoft.com/office/powerpoint/2010/main" Requires="p14">
+  <mc:AlternateContent xmlns:mc="http://schemas.openxmlformats.org/markup-compatibility/2006" xmlns:p14="http://schemas.microsoft.com/office/powerpoint/2010/main">
+    <mc:Choice Requires="p14">
       <p:transition p14:dur="10"/>
     </mc:Choice>
-    <mc:Fallback>
+    <mc:Fallback xmlns="">
       <p:transition/>
     </mc:Fallback>
   </mc:AlternateContent>
@@ -8807,11 +8740,7 @@
           <a:p>
             <a:r>
               <a:rPr lang="pl-PL" dirty="0" smtClean="0"/>
-              <a:t>Ćwiczenie </a:t>
-            </a:r>
-            <a:r>
-              <a:rPr lang="pl-PL" dirty="0" smtClean="0"/>
-              <a:t>SOAP Client</a:t>
+              <a:t>Ćwiczenie SOAP Client</a:t>
             </a:r>
             <a:endParaRPr lang="de-DE" dirty="0"/>
           </a:p>
@@ -8890,11 +8819,7 @@
             <a:pPr algn="ctr"/>
             <a:r>
               <a:rPr lang="pl-PL" sz="1600" dirty="0" smtClean="0"/>
-              <a:t>SOAP - </a:t>
-            </a:r>
-            <a:r>
-              <a:rPr lang="pl-PL" sz="1600" dirty="0" smtClean="0"/>
-              <a:t>client</a:t>
+              <a:t>SOAP - client</a:t>
             </a:r>
             <a:endParaRPr lang="pl-PL" sz="1600" dirty="0" smtClean="0">
               <a:solidFill>
@@ -8966,11 +8891,7 @@
           <a:p>
             <a:r>
               <a:rPr lang="pl-PL" dirty="0" smtClean="0"/>
-              <a:t>Ćwiczenie </a:t>
-            </a:r>
-            <a:r>
-              <a:rPr lang="pl-PL" dirty="0" smtClean="0"/>
-              <a:t>SOAP Client</a:t>
+              <a:t>Ćwiczenie SOAP Client</a:t>
             </a:r>
             <a:endParaRPr lang="de-DE" dirty="0"/>
           </a:p>
@@ -9023,29 +8944,15 @@
           <a:p>
             <a:r>
               <a:rPr lang="pl-PL" dirty="0" smtClean="0"/>
-              <a:t>Szkielet ćwiczenia znajduje się w branch’u </a:t>
-            </a:r>
+              <a:t>Szkielet ćwiczenia znajduje się w branch’u soapclient</a:t>
+            </a:r>
+          </a:p>
+          <a:p>
+            <a:pPr lvl="1"/>
             <a:r>
               <a:rPr lang="pl-PL" dirty="0" smtClean="0"/>
-              <a:t>soap</a:t>
-            </a:r>
-            <a:r>
-              <a:rPr lang="pl-PL" dirty="0" smtClean="0"/>
-              <a:t>client</a:t>
-            </a:r>
-            <a:endParaRPr lang="pl-PL" dirty="0" smtClean="0"/>
-          </a:p>
-          <a:p>
-            <a:pPr lvl="1"/>
-            <a:r>
-              <a:rPr lang="pl-PL" dirty="0" smtClean="0"/>
-              <a:t>git checkout </a:t>
-            </a:r>
-            <a:r>
-              <a:rPr lang="pl-PL" dirty="0" smtClean="0"/>
-              <a:t>soapclient</a:t>
-            </a:r>
-            <a:endParaRPr lang="pl-PL" dirty="0" smtClean="0"/>
+              <a:t>git checkout soapclient</a:t>
+            </a:r>
           </a:p>
           <a:p>
             <a:pPr lvl="1"/>
@@ -9175,11 +9082,7 @@
           <a:p>
             <a:r>
               <a:rPr lang="pl-PL" dirty="0" smtClean="0"/>
-              <a:t>Ćwiczenie </a:t>
-            </a:r>
-            <a:r>
-              <a:rPr lang="pl-PL" dirty="0" smtClean="0"/>
-              <a:t>SOAP Client</a:t>
+              <a:t>Ćwiczenie SOAP Client</a:t>
             </a:r>
             <a:endParaRPr lang="de-DE" dirty="0"/>
           </a:p>
@@ -9271,11 +9174,6 @@
               </a:rPr>
               <a:t>HumanResourceService</a:t>
             </a:r>
-            <a:endParaRPr lang="pl-PL" sz="1200" dirty="0" smtClean="0">
-              <a:solidFill>
-                <a:schemeClr val="tx1"/>
-              </a:solidFill>
-            </a:endParaRPr>
           </a:p>
         </p:txBody>
       </p:sp>
@@ -9342,11 +9240,6 @@
               </a:rPr>
               <a:t>HolidayClient</a:t>
             </a:r>
-            <a:endParaRPr lang="pl-PL" sz="1200" dirty="0" smtClean="0">
-              <a:solidFill>
-                <a:schemeClr val="tx1"/>
-              </a:solidFill>
-            </a:endParaRPr>
           </a:p>
         </p:txBody>
       </p:sp>
@@ -9402,11 +9295,6 @@
               </a:rPr>
               <a:t>SOAP Client</a:t>
             </a:r>
-            <a:endParaRPr lang="pl-PL" sz="1200" dirty="0" smtClean="0">
-              <a:solidFill>
-                <a:schemeClr val="tx1"/>
-              </a:solidFill>
-            </a:endParaRPr>
           </a:p>
         </p:txBody>
       </p:sp>
@@ -9525,15 +9413,7 @@
           <a:p>
             <a:r>
               <a:rPr lang="pl-PL" sz="1050" dirty="0" smtClean="0"/>
-              <a:t>HolidayClient zawiera metodę pozwalającą </a:t>
-            </a:r>
-            <a:r>
-              <a:rPr lang="pl-PL" sz="1050" dirty="0" smtClean="0"/>
-              <a:t>aplikacjom </a:t>
-            </a:r>
-            <a:r>
-              <a:rPr lang="pl-PL" sz="1050" dirty="0" smtClean="0"/>
-              <a:t>zgłosić urlop poprzez wywołanie </a:t>
+              <a:t>HolidayClient zawiera metodę pozwalającą aplikacjom zgłosić urlop poprzez wywołanie </a:t>
             </a:r>
             <a:r>
               <a:rPr lang="pl-PL" sz="1050" dirty="0"/>
@@ -9685,26 +9565,14 @@
           <a:p>
             <a:r>
               <a:rPr lang="pl-PL" dirty="0" smtClean="0"/>
-              <a:t>Ćwiczenie </a:t>
-            </a:r>
-            <a:r>
-              <a:rPr lang="pl-PL" dirty="0" smtClean="0"/>
-              <a:t>SOAP Client</a:t>
-            </a:r>
-            <a:r>
-              <a:rPr lang="pl-PL" dirty="0" smtClean="0"/>
-              <a:t/>
+              <a:t>Ćwiczenie SOAP Client</a:t>
             </a:r>
             <a:br>
               <a:rPr lang="pl-PL" dirty="0" smtClean="0"/>
             </a:br>
             <a:r>
               <a:rPr lang="pl-PL" dirty="0" smtClean="0"/>
-              <a:t>Ćwiczenia z używania </a:t>
-            </a:r>
-            <a:r>
-              <a:rPr lang="pl-PL" dirty="0" smtClean="0"/>
-              <a:t>usługi SOAP</a:t>
+              <a:t>Ćwiczenia z używania usługi SOAP</a:t>
             </a:r>
             <a:endParaRPr lang="de-DE" dirty="0"/>
           </a:p>
@@ -9759,7 +9627,6 @@
               <a:rPr lang="pl-PL" sz="1050" dirty="0" smtClean="0"/>
               <a:t>Uruchom aplikację serwerową: </a:t>
             </a:r>
-            <a:endParaRPr lang="pl-PL" sz="1050" dirty="0" smtClean="0"/>
           </a:p>
           <a:p>
             <a:pPr lvl="1"/>
@@ -9767,7 +9634,6 @@
               <a:rPr lang="pl-PL" sz="850" dirty="0" smtClean="0"/>
               <a:t>gradlew run w katalogu server</a:t>
             </a:r>
-            <a:endParaRPr lang="pl-PL" sz="850" dirty="0" smtClean="0"/>
           </a:p>
           <a:p>
             <a:pPr lvl="1"/>
@@ -9781,11 +9647,7 @@
             </a:r>
             <a:r>
               <a:rPr lang="pl-PL" sz="650" dirty="0" smtClean="0"/>
-              <a:t>ready...” to </a:t>
-            </a:r>
-            <a:r>
-              <a:rPr lang="pl-PL" sz="650" dirty="0" smtClean="0"/>
-              <a:t>znaczy, że serwer działa.</a:t>
+              <a:t>ready...” to znaczy, że serwer działa.</a:t>
             </a:r>
           </a:p>
           <a:p>
@@ -9804,19 +9666,7 @@
             </a:r>
             <a:r>
               <a:rPr lang="pl-PL" sz="650" dirty="0" smtClean="0"/>
-              <a:t>” to znaczy, że port jest już zajęty przez inną aplikację. Upewnij się, że inna instancja tej aplikacji nie jest już uruchomiona. Jeśli jesteś pewien, że port jest zajęty na Twoim komputerze przez inną aplikację lub usługę systemową to zmień numer portu w pliku </a:t>
-            </a:r>
-            <a:r>
-              <a:rPr lang="pl-PL" sz="650" dirty="0" smtClean="0"/>
-              <a:t>HolidayServerApp z </a:t>
-            </a:r>
-            <a:r>
-              <a:rPr lang="pl-PL" sz="650" dirty="0" smtClean="0"/>
-              <a:t>8090 na inny</a:t>
-            </a:r>
-            <a:r>
-              <a:rPr lang="pl-PL" sz="650" dirty="0" smtClean="0"/>
-              <a:t>.</a:t>
+              <a:t>” to znaczy, że port jest już zajęty przez inną aplikację. Upewnij się, że inna instancja tej aplikacji nie jest już uruchomiona. Jeśli jesteś pewien, że port jest zajęty na Twoim komputerze przez inną aplikację lub usługę systemową to zmień numer portu w pliku HolidayServerApp z 8090 na inny.</a:t>
             </a:r>
           </a:p>
           <a:p>
@@ -9825,7 +9675,6 @@
               <a:rPr lang="pl-PL" sz="650" dirty="0" smtClean="0"/>
               <a:t>Aplikacja po 5 minutach wyłącza się automatycznie – można ją wyłączyć ręcznie wcześniej wciskając Ctrl-C</a:t>
             </a:r>
-            <a:endParaRPr lang="pl-PL" sz="650" dirty="0" smtClean="0"/>
           </a:p>
           <a:p>
             <a:pPr marL="0" indent="0">
@@ -9932,26 +9781,14 @@
           <a:p>
             <a:r>
               <a:rPr lang="pl-PL" dirty="0" smtClean="0"/>
-              <a:t>Ćwiczenie </a:t>
-            </a:r>
-            <a:r>
-              <a:rPr lang="pl-PL" dirty="0" smtClean="0"/>
-              <a:t>SOAP Client</a:t>
-            </a:r>
-            <a:r>
-              <a:rPr lang="pl-PL" dirty="0" smtClean="0"/>
-              <a:t/>
+              <a:t>Ćwiczenie SOAP Client</a:t>
             </a:r>
             <a:br>
               <a:rPr lang="pl-PL" dirty="0" smtClean="0"/>
             </a:br>
             <a:r>
               <a:rPr lang="pl-PL" dirty="0" smtClean="0"/>
-              <a:t>Ćwiczenia z używania </a:t>
-            </a:r>
-            <a:r>
-              <a:rPr lang="pl-PL" dirty="0" smtClean="0"/>
-              <a:t>SOAP</a:t>
+              <a:t>Ćwiczenia z używania SOAP</a:t>
             </a:r>
             <a:endParaRPr lang="de-DE" dirty="0"/>
           </a:p>
@@ -11095,6 +10932,15 @@
 </file>
 
 <file path=customXml/item1.xml><?xml version="1.0" encoding="utf-8"?>
+<?mso-contentType ?>
+<FormTemplates xmlns="http://schemas.microsoft.com/sharepoint/v3/contenttype/forms">
+  <Display>DocumentLibraryForm</Display>
+  <Edit>DocumentLibraryForm</Edit>
+  <New>DocumentLibraryForm</New>
+</FormTemplates>
+</file>
+
+<file path=customXml/item2.xml><?xml version="1.0" encoding="utf-8"?>
 <ct:contentTypeSchema xmlns:ct="http://schemas.microsoft.com/office/2006/metadata/contentType" xmlns:ma="http://schemas.microsoft.com/office/2006/metadata/properties/metaAttributes" ct:_="" ma:_="" ma:contentTypeName="Document" ma:contentTypeID="0x010100793B9935CA02AD4F90F0A0FD564FDD82" ma:contentTypeVersion="17" ma:contentTypeDescription="Create a new document." ma:contentTypeScope="" ma:versionID="6168266ad0b2c1ccdc9d2ae0268a5eb6">
   <xsd:schema xmlns:xsd="http://www.w3.org/2001/XMLSchema" xmlns:xs="http://www.w3.org/2001/XMLSchema" xmlns:p="http://schemas.microsoft.com/office/2006/metadata/properties" xmlns:ns2="e44e039f-c551-4112-981c-456f1b630ef1" xmlns:ns3="727178e8-9586-4f49-8e7b-77af9c2fb085" targetNamespace="http://schemas.microsoft.com/office/2006/metadata/properties" ma:root="true" ma:fieldsID="b9b29daf9bb73cd90369de1b0e977594" ns2:_="" ns3:_="">
     <xsd:import namespace="e44e039f-c551-4112-981c-456f1b630ef1"/>
@@ -11591,16 +11437,42 @@
 </ct:contentTypeSchema>
 </file>
 
-<file path=customXml/item2.xml><?xml version="1.0" encoding="utf-8"?>
-<?mso-contentType ?>
-<FormTemplates xmlns="http://schemas.microsoft.com/sharepoint/v3/contenttype/forms">
-  <Display>DocumentLibraryForm</Display>
-  <Edit>DocumentLibraryForm</Edit>
-  <New>DocumentLibraryForm</New>
-</FormTemplates>
+<file path=customXml/item3.xml><?xml version="1.0" encoding="utf-8"?>
+<p:properties xmlns:p="http://schemas.microsoft.com/office/2006/metadata/properties" xmlns:xsi="http://www.w3.org/2001/XMLSchema-instance" xmlns:pc="http://schemas.microsoft.com/office/infopath/2007/PartnerControls">
+  <documentManagement>
+    <_dlc_DocId xmlns="727178e8-9586-4f49-8e7b-77af9c2fb085">CVD5QAC74SYH-2-13943</_dlc_DocId>
+    <_dlc_DocIdUrl xmlns="727178e8-9586-4f49-8e7b-77af9c2fb085">
+      <Url>https://share.gft.com/sites/Corporate-Marketing/_layouts/DocIdRedir.aspx?ID=CVD5QAC74SYH-2-13943</Url>
+      <Description>CVD5QAC74SYH-2-13943</Description>
+    </_dlc_DocIdUrl>
+    <Functional_x0020_Area xmlns="e44e039f-c551-4112-981c-456f1b630ef1">Functional Area 1</Functional_x0020_Area>
+    <Reference_x0020_Title xmlns="e44e039f-c551-4112-981c-456f1b630ef1" xsi:nil="true"/>
+    <Area xmlns="e44e039f-c551-4112-981c-456f1b630ef1">Area 1</Area>
+    <Project_x0020_size_x0020__x0028_resources_x0029_ xmlns="e44e039f-c551-4112-981c-456f1b630ef1" xsi:nil="true"/>
+    <Comments xmlns="e44e039f-c551-4112-981c-456f1b630ef1" xsi:nil="true"/>
+    <Business_x0020_Sector xmlns="e44e039f-c551-4112-981c-456f1b630ef1">Banking</Business_x0020_Sector>
+    <Client_x0020_Category xmlns="e44e039f-c551-4112-981c-456f1b630ef1">Central</Client_x0020_Category>
+    <Methods_x0020_and_x0020_standards xmlns="e44e039f-c551-4112-981c-456f1b630ef1" xsi:nil="true"/>
+    <Responsible xmlns="e44e039f-c551-4112-981c-456f1b630ef1">Marek Strejczek</Responsible>
+    <Client_x0020_Name xmlns="e44e039f-c551-4112-981c-456f1b630ef1" xsi:nil="true"/>
+    <Client_x0020_approval xmlns="e44e039f-c551-4112-981c-456f1b630ef1">No</Client_x0020_approval>
+    <Plattform_x0020__x0026__x0020_tools xmlns="e44e039f-c551-4112-981c-456f1b630ef1" xsi:nil="true"/>
+    <Project_x0020_ID xmlns="e44e039f-c551-4112-981c-456f1b630ef1" xsi:nil="true"/>
+    <Description0 xmlns="e44e039f-c551-4112-981c-456f1b630ef1" xsi:nil="true"/>
+    <Author_x0020__x002f__x0020_Contact xmlns="e44e039f-c551-4112-981c-456f1b630ef1">
+      <UserInfo>
+        <DisplayName/>
+        <AccountId xsi:nil="true"/>
+        <AccountType/>
+      </UserInfo>
+    </Author_x0020__x002f__x0020_Contact>
+    <Client_x0020_Country xmlns="e44e039f-c551-4112-981c-456f1b630ef1">Germany</Client_x0020_Country>
+    <Year xmlns="e44e039f-c551-4112-981c-456f1b630ef1" xsi:nil="true"/>
+  </documentManagement>
+</p:properties>
 </file>
 
-<file path=customXml/item3.xml><?xml version="1.0" encoding="utf-8"?>
+<file path=customXml/item4.xml><?xml version="1.0" encoding="utf-8"?>
 <?mso-contentType ?>
 <spe:Receivers xmlns:spe="http://schemas.microsoft.com/sharepoint/events">
   <Receiver>
@@ -11646,42 +11518,15 @@
 </spe:Receivers>
 </file>
 
-<file path=customXml/item4.xml><?xml version="1.0" encoding="utf-8"?>
-<p:properties xmlns:p="http://schemas.microsoft.com/office/2006/metadata/properties" xmlns:xsi="http://www.w3.org/2001/XMLSchema-instance" xmlns:pc="http://schemas.microsoft.com/office/infopath/2007/PartnerControls">
-  <documentManagement>
-    <_dlc_DocId xmlns="727178e8-9586-4f49-8e7b-77af9c2fb085">CVD5QAC74SYH-2-13943</_dlc_DocId>
-    <_dlc_DocIdUrl xmlns="727178e8-9586-4f49-8e7b-77af9c2fb085">
-      <Url>https://share.gft.com/sites/Corporate-Marketing/_layouts/DocIdRedir.aspx?ID=CVD5QAC74SYH-2-13943</Url>
-      <Description>CVD5QAC74SYH-2-13943</Description>
-    </_dlc_DocIdUrl>
-    <Functional_x0020_Area xmlns="e44e039f-c551-4112-981c-456f1b630ef1">Functional Area 1</Functional_x0020_Area>
-    <Reference_x0020_Title xmlns="e44e039f-c551-4112-981c-456f1b630ef1" xsi:nil="true"/>
-    <Area xmlns="e44e039f-c551-4112-981c-456f1b630ef1">Area 1</Area>
-    <Project_x0020_size_x0020__x0028_resources_x0029_ xmlns="e44e039f-c551-4112-981c-456f1b630ef1" xsi:nil="true"/>
-    <Comments xmlns="e44e039f-c551-4112-981c-456f1b630ef1" xsi:nil="true"/>
-    <Business_x0020_Sector xmlns="e44e039f-c551-4112-981c-456f1b630ef1">Banking</Business_x0020_Sector>
-    <Client_x0020_Category xmlns="e44e039f-c551-4112-981c-456f1b630ef1">Central</Client_x0020_Category>
-    <Methods_x0020_and_x0020_standards xmlns="e44e039f-c551-4112-981c-456f1b630ef1" xsi:nil="true"/>
-    <Responsible xmlns="e44e039f-c551-4112-981c-456f1b630ef1">Marek Strejczek</Responsible>
-    <Client_x0020_Name xmlns="e44e039f-c551-4112-981c-456f1b630ef1" xsi:nil="true"/>
-    <Client_x0020_approval xmlns="e44e039f-c551-4112-981c-456f1b630ef1">No</Client_x0020_approval>
-    <Plattform_x0020__x0026__x0020_tools xmlns="e44e039f-c551-4112-981c-456f1b630ef1" xsi:nil="true"/>
-    <Project_x0020_ID xmlns="e44e039f-c551-4112-981c-456f1b630ef1" xsi:nil="true"/>
-    <Description0 xmlns="e44e039f-c551-4112-981c-456f1b630ef1" xsi:nil="true"/>
-    <Author_x0020__x002f__x0020_Contact xmlns="e44e039f-c551-4112-981c-456f1b630ef1">
-      <UserInfo>
-        <DisplayName/>
-        <AccountId xsi:nil="true"/>
-        <AccountType/>
-      </UserInfo>
-    </Author_x0020__x002f__x0020_Contact>
-    <Client_x0020_Country xmlns="e44e039f-c551-4112-981c-456f1b630ef1">Germany</Client_x0020_Country>
-    <Year xmlns="e44e039f-c551-4112-981c-456f1b630ef1" xsi:nil="true"/>
-  </documentManagement>
-</p:properties>
+<file path=customXml/itemProps1.xml><?xml version="1.0" encoding="utf-8"?>
+<ds:datastoreItem xmlns:ds="http://schemas.openxmlformats.org/officeDocument/2006/customXml" ds:itemID="{9217953E-6BB7-40C6-9A84-608D0A8D65EC}">
+  <ds:schemaRefs>
+    <ds:schemaRef ds:uri="http://schemas.microsoft.com/sharepoint/v3/contenttype/forms"/>
+  </ds:schemaRefs>
+</ds:datastoreItem>
 </file>
 
-<file path=customXml/itemProps1.xml><?xml version="1.0" encoding="utf-8"?>
+<file path=customXml/itemProps2.xml><?xml version="1.0" encoding="utf-8"?>
 <ds:datastoreItem xmlns:ds="http://schemas.openxmlformats.org/officeDocument/2006/customXml" ds:itemID="{54CA1130-EAC1-4116-82E4-DF5A51FE3AEA}">
   <ds:schemaRefs>
     <ds:schemaRef ds:uri="http://schemas.microsoft.com/office/2006/metadata/contentType"/>
@@ -11700,23 +11545,7 @@
 </ds:datastoreItem>
 </file>
 
-<file path=customXml/itemProps2.xml><?xml version="1.0" encoding="utf-8"?>
-<ds:datastoreItem xmlns:ds="http://schemas.openxmlformats.org/officeDocument/2006/customXml" ds:itemID="{9217953E-6BB7-40C6-9A84-608D0A8D65EC}">
-  <ds:schemaRefs>
-    <ds:schemaRef ds:uri="http://schemas.microsoft.com/sharepoint/v3/contenttype/forms"/>
-  </ds:schemaRefs>
-</ds:datastoreItem>
-</file>
-
 <file path=customXml/itemProps3.xml><?xml version="1.0" encoding="utf-8"?>
-<ds:datastoreItem xmlns:ds="http://schemas.openxmlformats.org/officeDocument/2006/customXml" ds:itemID="{A6F3EA8F-EBA0-438A-80BD-6A96E2E10054}">
-  <ds:schemaRefs>
-    <ds:schemaRef ds:uri="http://schemas.microsoft.com/sharepoint/events"/>
-  </ds:schemaRefs>
-</ds:datastoreItem>
-</file>
-
-<file path=customXml/itemProps4.xml><?xml version="1.0" encoding="utf-8"?>
 <ds:datastoreItem xmlns:ds="http://schemas.openxmlformats.org/officeDocument/2006/customXml" ds:itemID="{7445AAF4-B73F-4E3A-B9D2-4DDAE0F1BE8A}">
   <ds:schemaRefs>
     <ds:schemaRef ds:uri="http://schemas.microsoft.com/office/2006/documentManagement/types"/>
@@ -11731,4 +11560,12 @@
     <ds:schemaRef ds:uri="http://purl.org/dc/dcmitype/"/>
   </ds:schemaRefs>
 </ds:datastoreItem>
+</file>
+
+<file path=customXml/itemProps4.xml><?xml version="1.0" encoding="utf-8"?>
+<ds:datastoreItem xmlns:ds="http://schemas.openxmlformats.org/officeDocument/2006/customXml" ds:itemID="{A6F3EA8F-EBA0-438A-80BD-6A96E2E10054}">
+  <ds:schemaRefs>
+    <ds:schemaRef ds:uri="http://schemas.microsoft.com/sharepoint/events"/>
+  </ds:schemaRefs>
+</ds:datastoreItem>
 </file>